--- a/final/Bigcon2018_BA.pptx
+++ b/final/Bigcon2018_BA.pptx
@@ -205,7 +205,7 @@
           <a:p>
             <a:fld id="{846A877F-7272-49B2-A326-FB3A718DABC1}" type="datetimeFigureOut">
               <a:rPr lang="en-US" smtClean="0"/>
-              <a:t>9/14/2018</a:t>
+              <a:t>11/25/2018</a:t>
             </a:fld>
             <a:endParaRPr lang="en-US"/>
           </a:p>
@@ -758,7 +758,7 @@
           <a:p>
             <a:fld id="{C20F2AF2-EA92-44F8-853B-5E3554E36C48}" type="datetimeFigureOut">
               <a:rPr lang="en-US" smtClean="0"/>
-              <a:t>9/14/2018</a:t>
+              <a:t>11/25/2018</a:t>
             </a:fld>
             <a:endParaRPr lang="en-US"/>
           </a:p>
@@ -879,7 +879,7 @@
           <a:p>
             <a:fld id="{C20F2AF2-EA92-44F8-853B-5E3554E36C48}" type="datetimeFigureOut">
               <a:rPr lang="en-US" smtClean="0"/>
-              <a:t>9/14/2018</a:t>
+              <a:t>11/25/2018</a:t>
             </a:fld>
             <a:endParaRPr lang="en-US"/>
           </a:p>
@@ -5968,7 +5968,7 @@
         <p:spPr>
           <a:xfrm>
             <a:off x="199743" y="10557163"/>
-            <a:ext cx="12878847" cy="630942"/>
+            <a:ext cx="12692898" cy="630942"/>
           </a:xfrm>
           <a:prstGeom prst="rect">
             <a:avLst/>
@@ -6024,11 +6024,11 @@
               <a:t>약 </a:t>
             </a:r>
             <a:r>
-              <a:rPr lang="en-US" altLang="ko-KR" sz="3500" b="1" dirty="0">
+              <a:rPr lang="en-US" altLang="ko-KR" sz="3500" b="1" dirty="0" smtClean="0">
                 <a:latin typeface="나눔고딕" panose="020D0604000000000000" pitchFamily="50" charset="-127"/>
                 <a:ea typeface="나눔고딕OTF" panose="020D0604000000000000"/>
               </a:rPr>
-              <a:t>50,000</a:t>
+              <a:t>30,000</a:t>
             </a:r>
             <a:endParaRPr lang="ko-KR" altLang="en-US" sz="3500" b="1" dirty="0">
               <a:latin typeface="나눔고딕" panose="020D0604000000000000" pitchFamily="50" charset="-127"/>
